--- a/presentations/Object-Functional patterns in Scala.pptx
+++ b/presentations/Object-Functional patterns in Scala.pptx
@@ -220,7 +220,7 @@
       </p14:sectionLst>
     </p:ext>
     <p:ext uri="{EFAFB233-063F-42B5-8137-9DF3F51BA10A}">
-      <p15:sldGuideLst xmlns:p15="http://schemas.microsoft.com/office/powerpoint/2012/main">
+      <p15:sldGuideLst xmlns:p15="http://schemas.microsoft.com/office/powerpoint/2012/main" xmlns="">
         <p15:guide id="1" orient="horz" pos="902">
           <p15:clr>
             <a:srgbClr val="A4A3A4"/>
@@ -234,7 +234,7 @@
       </p15:sldGuideLst>
     </p:ext>
     <p:ext uri="{2D200454-40CA-4A62-9FC3-DE9A4176ACB9}">
-      <p15:notesGuideLst xmlns:p15="http://schemas.microsoft.com/office/powerpoint/2012/main">
+      <p15:notesGuideLst xmlns:p15="http://schemas.microsoft.com/office/powerpoint/2012/main" xmlns="">
         <p15:guide id="1" orient="horz" pos="2880" userDrawn="1">
           <p15:clr>
             <a:srgbClr val="A4A3A4"/>
@@ -334,7 +334,7 @@
             <a:fld id="{EA9F7FF7-50CD-D74F-8521-E72DB68B670C}" type="datetimeFigureOut">
               <a:rPr lang="en-US" smtClean="0"/>
               <a:pPr/>
-              <a:t>10/15/2014</a:t>
+              <a:t>10/17/2014</a:t>
             </a:fld>
             <a:endParaRPr lang="en-US"/>
           </a:p>
@@ -502,7 +502,7 @@
             <a:fld id="{9DD1DD9B-E140-4D76-B427-DF4838D859EA}" type="datetimeFigureOut">
               <a:rPr lang="en-US" smtClean="0"/>
               <a:pPr/>
-              <a:t>10/15/2014</a:t>
+              <a:t>10/17/2014</a:t>
             </a:fld>
             <a:endParaRPr lang="en-US"/>
           </a:p>
@@ -15657,14 +15657,7 @@
                 <a:latin typeface="Arial (Body)"/>
                 <a:cs typeface="Consolas" panose="020B0609020204030204" pitchFamily="49" charset="0"/>
               </a:rPr>
-              <a:t>is </a:t>
-            </a:r>
-            <a:r>
-              <a:rPr lang="en-US" sz="2600" dirty="0" smtClean="0">
-                <a:latin typeface="Arial (Body)"/>
-                <a:cs typeface="Consolas" panose="020B0609020204030204" pitchFamily="49" charset="0"/>
-              </a:rPr>
-              <a:t>a pattern </a:t>
+              <a:t>is a pattern </a:t>
             </a:r>
             <a:r>
               <a:rPr lang="en-US" sz="2600" dirty="0">
@@ -17945,20 +17938,8 @@
               <a:buChar char="•"/>
             </a:pPr>
             <a:r>
-              <a:rPr lang="en-US" sz="2800" strike="sngStrike" dirty="0"/>
-              <a:t>Configuration </a:t>
-            </a:r>
-            <a:r>
               <a:rPr lang="en-US" sz="2800" strike="sngStrike" dirty="0" smtClean="0"/>
-              <a:t>can not </a:t>
-            </a:r>
-            <a:r>
-              <a:rPr lang="en-US" sz="2800" strike="sngStrike" dirty="0"/>
-              <a:t>be changed in </a:t>
-            </a:r>
-            <a:r>
-              <a:rPr lang="en-US" sz="2800" strike="sngStrike" dirty="0" smtClean="0"/>
-              <a:t>run-time</a:t>
+              <a:t>Configuration can not be external</a:t>
             </a:r>
             <a:endParaRPr lang="en-US" sz="2800" strike="sngStrike" dirty="0"/>
           </a:p>
